--- a/Презентация по проекту Pygame.pptx
+++ b/Презентация по проекту Pygame.pptx
@@ -8,9 +8,10 @@
     <p:sldId id="256" r:id="rId2"/>
     <p:sldId id="257" r:id="rId3"/>
     <p:sldId id="258" r:id="rId4"/>
-    <p:sldId id="261" r:id="rId5"/>
-    <p:sldId id="259" r:id="rId6"/>
-    <p:sldId id="260" r:id="rId7"/>
+    <p:sldId id="259" r:id="rId5"/>
+    <p:sldId id="261" r:id="rId6"/>
+    <p:sldId id="262" r:id="rId7"/>
+    <p:sldId id="260" r:id="rId8"/>
   </p:sldIdLst>
   <p:sldSz cx="9144000" cy="6858000" type="screen4x3"/>
   <p:notesSz cx="6858000" cy="9144000"/>
@@ -294,7 +295,7 @@
             <a:fld id="{3065D682-AC76-4449-BADF-0B60D05AC3DD}" type="datetimeFigureOut">
               <a:rPr lang="ru-RU" smtClean="0"/>
               <a:pPr/>
-              <a:t>28.01.2021</a:t>
+              <a:t>29.01.2021</a:t>
             </a:fld>
             <a:endParaRPr lang="ru-RU"/>
           </a:p>
@@ -461,7 +462,7 @@
             <a:fld id="{3065D682-AC76-4449-BADF-0B60D05AC3DD}" type="datetimeFigureOut">
               <a:rPr lang="ru-RU" smtClean="0"/>
               <a:pPr/>
-              <a:t>28.01.2021</a:t>
+              <a:t>29.01.2021</a:t>
             </a:fld>
             <a:endParaRPr lang="ru-RU"/>
           </a:p>
@@ -638,7 +639,7 @@
             <a:fld id="{3065D682-AC76-4449-BADF-0B60D05AC3DD}" type="datetimeFigureOut">
               <a:rPr lang="ru-RU" smtClean="0"/>
               <a:pPr/>
-              <a:t>28.01.2021</a:t>
+              <a:t>29.01.2021</a:t>
             </a:fld>
             <a:endParaRPr lang="ru-RU"/>
           </a:p>
@@ -805,7 +806,7 @@
             <a:fld id="{3065D682-AC76-4449-BADF-0B60D05AC3DD}" type="datetimeFigureOut">
               <a:rPr lang="ru-RU" smtClean="0"/>
               <a:pPr/>
-              <a:t>28.01.2021</a:t>
+              <a:t>29.01.2021</a:t>
             </a:fld>
             <a:endParaRPr lang="ru-RU"/>
           </a:p>
@@ -1048,7 +1049,7 @@
             <a:fld id="{3065D682-AC76-4449-BADF-0B60D05AC3DD}" type="datetimeFigureOut">
               <a:rPr lang="ru-RU" smtClean="0"/>
               <a:pPr/>
-              <a:t>28.01.2021</a:t>
+              <a:t>29.01.2021</a:t>
             </a:fld>
             <a:endParaRPr lang="ru-RU"/>
           </a:p>
@@ -1333,7 +1334,7 @@
             <a:fld id="{3065D682-AC76-4449-BADF-0B60D05AC3DD}" type="datetimeFigureOut">
               <a:rPr lang="ru-RU" smtClean="0"/>
               <a:pPr/>
-              <a:t>28.01.2021</a:t>
+              <a:t>29.01.2021</a:t>
             </a:fld>
             <a:endParaRPr lang="ru-RU"/>
           </a:p>
@@ -1752,7 +1753,7 @@
             <a:fld id="{3065D682-AC76-4449-BADF-0B60D05AC3DD}" type="datetimeFigureOut">
               <a:rPr lang="ru-RU" smtClean="0"/>
               <a:pPr/>
-              <a:t>28.01.2021</a:t>
+              <a:t>29.01.2021</a:t>
             </a:fld>
             <a:endParaRPr lang="ru-RU"/>
           </a:p>
@@ -1867,7 +1868,7 @@
             <a:fld id="{3065D682-AC76-4449-BADF-0B60D05AC3DD}" type="datetimeFigureOut">
               <a:rPr lang="ru-RU" smtClean="0"/>
               <a:pPr/>
-              <a:t>28.01.2021</a:t>
+              <a:t>29.01.2021</a:t>
             </a:fld>
             <a:endParaRPr lang="ru-RU"/>
           </a:p>
@@ -1959,7 +1960,7 @@
             <a:fld id="{3065D682-AC76-4449-BADF-0B60D05AC3DD}" type="datetimeFigureOut">
               <a:rPr lang="ru-RU" smtClean="0"/>
               <a:pPr/>
-              <a:t>28.01.2021</a:t>
+              <a:t>29.01.2021</a:t>
             </a:fld>
             <a:endParaRPr lang="ru-RU"/>
           </a:p>
@@ -2233,7 +2234,7 @@
             <a:fld id="{3065D682-AC76-4449-BADF-0B60D05AC3DD}" type="datetimeFigureOut">
               <a:rPr lang="ru-RU" smtClean="0"/>
               <a:pPr/>
-              <a:t>28.01.2021</a:t>
+              <a:t>29.01.2021</a:t>
             </a:fld>
             <a:endParaRPr lang="ru-RU"/>
           </a:p>
@@ -2483,7 +2484,7 @@
             <a:fld id="{3065D682-AC76-4449-BADF-0B60D05AC3DD}" type="datetimeFigureOut">
               <a:rPr lang="ru-RU" smtClean="0"/>
               <a:pPr/>
-              <a:t>28.01.2021</a:t>
+              <a:t>29.01.2021</a:t>
             </a:fld>
             <a:endParaRPr lang="ru-RU"/>
           </a:p>
@@ -2693,7 +2694,7 @@
             <a:fld id="{3065D682-AC76-4449-BADF-0B60D05AC3DD}" type="datetimeFigureOut">
               <a:rPr lang="ru-RU" smtClean="0"/>
               <a:pPr/>
-              <a:t>28.01.2021</a:t>
+              <a:t>29.01.2021</a:t>
             </a:fld>
             <a:endParaRPr lang="ru-RU"/>
           </a:p>
@@ -3270,11 +3271,7 @@
             </a:pPr>
             <a:r>
               <a:rPr lang="ru-RU" sz="2800" dirty="0" smtClean="0"/>
-              <a:t>	</a:t>
-            </a:r>
-            <a:r>
-              <a:rPr lang="ru-RU" sz="2800" dirty="0" smtClean="0"/>
-              <a:t>целью о создании возможности интересного времяпровождения для двух человек за игрой на основе библиотеки </a:t>
+              <a:t>	целью о создании возможности интересного времяпровождения для двух человек за игрой на основе библиотеки </a:t>
             </a:r>
             <a:r>
               <a:rPr lang="en-US" sz="2800" dirty="0" smtClean="0"/>
@@ -3326,7 +3323,7 @@
           <a:p>
             <a:r>
               <a:rPr lang="ru-RU" dirty="0" smtClean="0"/>
-              <a:t>Структура</a:t>
+              <a:t>Структура игры</a:t>
             </a:r>
             <a:endParaRPr lang="ru-RU" dirty="0"/>
           </a:p>
@@ -3464,7 +3461,7 @@
           <a:p>
             <a:r>
               <a:rPr lang="ru-RU" dirty="0" smtClean="0"/>
-              <a:t>Структура</a:t>
+              <a:t>Структура игры</a:t>
             </a:r>
             <a:endParaRPr lang="ru-RU" dirty="0"/>
           </a:p>
@@ -3482,10 +3479,65 @@
         </p:nvSpPr>
         <p:spPr/>
         <p:txBody>
-          <a:bodyPr/>
-          <a:lstStyle/>
-          <a:p>
-            <a:endParaRPr lang="ru-RU" dirty="0"/>
+          <a:bodyPr>
+            <a:normAutofit/>
+          </a:bodyPr>
+          <a:lstStyle/>
+          <a:p>
+            <a:pPr>
+              <a:buNone/>
+            </a:pPr>
+            <a:r>
+              <a:rPr lang="ru-RU" sz="3000" dirty="0" smtClean="0"/>
+              <a:t>	</a:t>
+            </a:r>
+            <a:r>
+              <a:rPr lang="ru-RU" sz="2400" dirty="0" smtClean="0"/>
+              <a:t>Для создания и последующего отображения карты, где происходят действия игроков использовалось приложение </a:t>
+            </a:r>
+            <a:r>
+              <a:rPr lang="en-US" sz="2400" dirty="0" smtClean="0"/>
+              <a:t>Tiled </a:t>
+            </a:r>
+            <a:r>
+              <a:rPr lang="ru-RU" sz="2400" dirty="0" smtClean="0"/>
+              <a:t>и библиотека </a:t>
+            </a:r>
+            <a:r>
+              <a:rPr lang="en-US" sz="2400" dirty="0" smtClean="0"/>
+              <a:t>pytmx.</a:t>
+            </a:r>
+          </a:p>
+          <a:p>
+            <a:pPr>
+              <a:buNone/>
+            </a:pPr>
+            <a:endParaRPr lang="en-US" sz="2400" dirty="0" smtClean="0"/>
+          </a:p>
+          <a:p>
+            <a:pPr>
+              <a:buNone/>
+            </a:pPr>
+            <a:r>
+              <a:rPr lang="en-US" sz="2400" dirty="0" smtClean="0"/>
+              <a:t>	</a:t>
+            </a:r>
+            <a:r>
+              <a:rPr lang="ru-RU" sz="2400" dirty="0" smtClean="0"/>
+              <a:t>Для большего погружения в игровой процесс в игру было добавлено множество звуков, проигрываемых с помощью </a:t>
+            </a:r>
+            <a:r>
+              <a:rPr lang="en-US" sz="2400" dirty="0" smtClean="0"/>
+              <a:t>pygame.mixer </a:t>
+            </a:r>
+            <a:r>
+              <a:rPr lang="ru-RU" sz="2400" dirty="0" smtClean="0"/>
+              <a:t>и находящихся в каталоге </a:t>
+            </a:r>
+            <a:r>
+              <a:rPr lang="en-US" sz="2400" dirty="0" smtClean="0"/>
+              <a:t>source/sound</a:t>
+            </a:r>
           </a:p>
         </p:txBody>
       </p:sp>
@@ -3531,7 +3583,7 @@
           <a:p>
             <a:r>
               <a:rPr lang="ru-RU" dirty="0" smtClean="0"/>
-              <a:t>Структура</a:t>
+              <a:t>Структура меню</a:t>
             </a:r>
             <a:endParaRPr lang="ru-RU" dirty="0"/>
           </a:p>
@@ -3547,70 +3599,78 @@
             <p:ph idx="1"/>
           </p:nvPr>
         </p:nvSpPr>
-        <p:spPr/>
+        <p:spPr>
+          <a:xfrm>
+            <a:off x="457200" y="1600201"/>
+            <a:ext cx="8229600" cy="828668"/>
+          </a:xfrm>
+        </p:spPr>
         <p:txBody>
           <a:bodyPr>
             <a:normAutofit/>
           </a:bodyPr>
           <a:lstStyle/>
           <a:p>
-            <a:pPr>
-              <a:buNone/>
-            </a:pPr>
-            <a:r>
-              <a:rPr lang="ru-RU" sz="3000" dirty="0" smtClean="0"/>
-              <a:t>	</a:t>
-            </a:r>
             <a:r>
               <a:rPr lang="ru-RU" sz="2400" dirty="0" smtClean="0"/>
-              <a:t>Для создания и последующего отображения карты, где происходят действия игроков использовалось приложение </a:t>
+              <a:t>Код </a:t>
+            </a:r>
+            <a:r>
+              <a:rPr lang="ru-RU" sz="2400" dirty="0" smtClean="0"/>
+              <a:t>меню </a:t>
+            </a:r>
+            <a:r>
+              <a:rPr lang="ru-RU" sz="2400" dirty="0" smtClean="0"/>
+              <a:t>состоит из совокупности </a:t>
+            </a:r>
+            <a:r>
+              <a:rPr lang="ru-RU" sz="2400" dirty="0" smtClean="0"/>
+              <a:t>функций. Можно </a:t>
+            </a:r>
+            <a:r>
+              <a:rPr lang="ru-RU" sz="2400" dirty="0" smtClean="0"/>
+              <a:t>выделить</a:t>
             </a:r>
             <a:r>
               <a:rPr lang="en-US" sz="2400" dirty="0" smtClean="0"/>
-              <a:t>Tiled </a:t>
+              <a:t> </a:t>
             </a:r>
             <a:r>
               <a:rPr lang="ru-RU" sz="2400" dirty="0" smtClean="0"/>
-              <a:t>и библиотека </a:t>
+              <a:t>функции</a:t>
             </a:r>
             <a:r>
               <a:rPr lang="en-US" sz="2400" dirty="0" smtClean="0"/>
-              <a:t>pytmx.</a:t>
-            </a:r>
-          </a:p>
-          <a:p>
-            <a:pPr>
-              <a:buNone/>
-            </a:pPr>
-            <a:endParaRPr lang="en-US" sz="2400" dirty="0" smtClean="0"/>
-          </a:p>
-          <a:p>
-            <a:pPr>
-              <a:buNone/>
-            </a:pPr>
-            <a:r>
-              <a:rPr lang="en-US" sz="2400" dirty="0" smtClean="0"/>
-              <a:t>	</a:t>
-            </a:r>
-            <a:r>
-              <a:rPr lang="ru-RU" sz="2400" dirty="0" smtClean="0"/>
-              <a:t>Для большего погружения в игровой процесс в игру было добавлено множество звуков, проигрываемых с помощью </a:t>
-            </a:r>
-            <a:r>
-              <a:rPr lang="en-US" sz="2400" dirty="0" smtClean="0"/>
-              <a:t>pygame.mixer </a:t>
-            </a:r>
-            <a:r>
-              <a:rPr lang="ru-RU" sz="2400" dirty="0" smtClean="0"/>
-              <a:t>и находящихся в каталоге </a:t>
-            </a:r>
-            <a:r>
-              <a:rPr lang="en-US" sz="2400" dirty="0" smtClean="0"/>
-              <a:t>source/sound</a:t>
-            </a:r>
-          </a:p>
-        </p:txBody>
-      </p:sp>
+              <a:t>:</a:t>
+            </a:r>
+            <a:endParaRPr lang="ru-RU" sz="2400" dirty="0"/>
+          </a:p>
+        </p:txBody>
+      </p:sp>
+      <p:pic>
+        <p:nvPicPr>
+          <p:cNvPr id="6" name="Рисунок 5" descr="Screenshot_6.png"/>
+          <p:cNvPicPr>
+            <a:picLocks noChangeAspect="1"/>
+          </p:cNvPicPr>
+          <p:nvPr/>
+        </p:nvPicPr>
+        <p:blipFill>
+          <a:blip r:embed="rId2"/>
+          <a:stretch>
+            <a:fillRect/>
+          </a:stretch>
+        </p:blipFill>
+        <p:spPr>
+          <a:xfrm>
+            <a:off x="1357290" y="2714620"/>
+            <a:ext cx="6422570" cy="3716765"/>
+          </a:xfrm>
+          <a:prstGeom prst="rect">
+            <a:avLst/>
+          </a:prstGeom>
+        </p:spPr>
+      </p:pic>
     </p:spTree>
   </p:cSld>
   <p:clrMapOvr>
@@ -3653,6 +3713,138 @@
           <a:p>
             <a:r>
               <a:rPr lang="ru-RU" dirty="0" smtClean="0"/>
+              <a:t>Структура меню</a:t>
+            </a:r>
+            <a:endParaRPr lang="ru-RU" dirty="0"/>
+          </a:p>
+        </p:txBody>
+      </p:sp>
+      <p:sp>
+        <p:nvSpPr>
+          <p:cNvPr id="3" name="Содержимое 2"/>
+          <p:cNvSpPr>
+            <a:spLocks noGrp="1"/>
+          </p:cNvSpPr>
+          <p:nvPr>
+            <p:ph idx="1"/>
+          </p:nvPr>
+        </p:nvSpPr>
+        <p:spPr/>
+        <p:txBody>
+          <a:bodyPr>
+            <a:normAutofit/>
+          </a:bodyPr>
+          <a:lstStyle/>
+          <a:p>
+            <a:pPr>
+              <a:buNone/>
+            </a:pPr>
+            <a:r>
+              <a:rPr lang="ru-RU" sz="3000" dirty="0" smtClean="0"/>
+              <a:t>	</a:t>
+            </a:r>
+            <a:r>
+              <a:rPr lang="ru-RU" sz="2400" dirty="0" smtClean="0"/>
+              <a:t>Для создания и </a:t>
+            </a:r>
+            <a:r>
+              <a:rPr lang="ru-RU" sz="2400" dirty="0" smtClean="0"/>
+              <a:t>отображения кнопок, которые используются для навигации в меню, использовалась библиотека </a:t>
+            </a:r>
+            <a:r>
+              <a:rPr lang="en-US" sz="2400" dirty="0" err="1" smtClean="0"/>
+              <a:t>pygame_ui</a:t>
+            </a:r>
+            <a:r>
+              <a:rPr lang="ru-RU" sz="2400" dirty="0" smtClean="0"/>
+              <a:t>.</a:t>
+            </a:r>
+            <a:endParaRPr lang="en-US" sz="2400" dirty="0" smtClean="0"/>
+          </a:p>
+          <a:p>
+            <a:pPr>
+              <a:buNone/>
+            </a:pPr>
+            <a:endParaRPr lang="en-US" sz="2400" dirty="0" smtClean="0"/>
+          </a:p>
+          <a:p>
+            <a:pPr>
+              <a:buNone/>
+            </a:pPr>
+            <a:r>
+              <a:rPr lang="en-US" sz="2400" dirty="0" smtClean="0"/>
+              <a:t>	</a:t>
+            </a:r>
+            <a:r>
+              <a:rPr lang="ru-RU" sz="2400" dirty="0" smtClean="0"/>
+              <a:t>Для сохранения изменений настроек после выхода, были созданы текстовые документы,</a:t>
+            </a:r>
+            <a:r>
+              <a:rPr lang="ru-RU" sz="2400" dirty="0" smtClean="0"/>
+              <a:t> </a:t>
+            </a:r>
+            <a:r>
+              <a:rPr lang="ru-RU" sz="2400" dirty="0" smtClean="0"/>
+              <a:t>находящихся в каталоге </a:t>
+            </a:r>
+            <a:r>
+              <a:rPr lang="en-US" sz="2400" dirty="0" smtClean="0"/>
+              <a:t>source/ </a:t>
+            </a:r>
+            <a:r>
+              <a:rPr lang="en-US" sz="2400" dirty="0" err="1" smtClean="0"/>
+              <a:t>settings_files</a:t>
+            </a:r>
+            <a:r>
+              <a:rPr lang="ru-RU" sz="2400" dirty="0" smtClean="0"/>
+              <a:t>.</a:t>
+            </a:r>
+            <a:endParaRPr lang="en-US" sz="2400" dirty="0" smtClean="0"/>
+          </a:p>
+        </p:txBody>
+      </p:sp>
+    </p:spTree>
+  </p:cSld>
+  <p:clrMapOvr>
+    <a:masterClrMapping/>
+  </p:clrMapOvr>
+</p:sld>
+</file>
+
+<file path=ppt/slides/slide7.xml><?xml version="1.0" encoding="utf-8"?>
+<p:sld xmlns:a="http://schemas.openxmlformats.org/drawingml/2006/main" xmlns:r="http://schemas.openxmlformats.org/officeDocument/2006/relationships" xmlns:p="http://schemas.openxmlformats.org/presentationml/2006/main">
+  <p:cSld>
+    <p:spTree>
+      <p:nvGrpSpPr>
+        <p:cNvPr id="1" name=""/>
+        <p:cNvGrpSpPr/>
+        <p:nvPr/>
+      </p:nvGrpSpPr>
+      <p:grpSpPr>
+        <a:xfrm>
+          <a:off x="0" y="0"/>
+          <a:ext cx="0" cy="0"/>
+          <a:chOff x="0" y="0"/>
+          <a:chExt cx="0" cy="0"/>
+        </a:xfrm>
+      </p:grpSpPr>
+      <p:sp>
+        <p:nvSpPr>
+          <p:cNvPr id="2" name="Заголовок 1"/>
+          <p:cNvSpPr>
+            <a:spLocks noGrp="1"/>
+          </p:cNvSpPr>
+          <p:nvPr>
+            <p:ph type="title"/>
+          </p:nvPr>
+        </p:nvSpPr>
+        <p:spPr/>
+        <p:txBody>
+          <a:bodyPr/>
+          <a:lstStyle/>
+          <a:p>
+            <a:r>
+              <a:rPr lang="ru-RU" dirty="0" smtClean="0"/>
               <a:t>Заключение</a:t>
             </a:r>
             <a:endParaRPr lang="ru-RU" dirty="0"/>
@@ -3716,7 +3908,6 @@
               <a:rPr lang="en-US" sz="3000" dirty="0" smtClean="0"/>
               <a:t>	</a:t>
             </a:r>
-            <a:endParaRPr lang="en-US" sz="3000" dirty="0" smtClean="0"/>
           </a:p>
         </p:txBody>
       </p:sp>

--- a/Презентация по проекту Pygame.pptx
+++ b/Презентация по проекту Pygame.pptx
@@ -7,11 +7,13 @@
   <p:sldIdLst>
     <p:sldId id="256" r:id="rId2"/>
     <p:sldId id="257" r:id="rId3"/>
-    <p:sldId id="258" r:id="rId4"/>
-    <p:sldId id="259" r:id="rId5"/>
-    <p:sldId id="261" r:id="rId6"/>
-    <p:sldId id="262" r:id="rId7"/>
-    <p:sldId id="260" r:id="rId8"/>
+    <p:sldId id="263" r:id="rId4"/>
+    <p:sldId id="264" r:id="rId5"/>
+    <p:sldId id="258" r:id="rId6"/>
+    <p:sldId id="259" r:id="rId7"/>
+    <p:sldId id="261" r:id="rId8"/>
+    <p:sldId id="262" r:id="rId9"/>
+    <p:sldId id="260" r:id="rId10"/>
   </p:sldIdLst>
   <p:sldSz cx="9144000" cy="6858000" type="screen4x3"/>
   <p:notesSz cx="6858000" cy="9144000"/>
@@ -295,7 +297,7 @@
             <a:fld id="{3065D682-AC76-4449-BADF-0B60D05AC3DD}" type="datetimeFigureOut">
               <a:rPr lang="ru-RU" smtClean="0"/>
               <a:pPr/>
-              <a:t>29.01.2021</a:t>
+              <a:t>30.01.2021</a:t>
             </a:fld>
             <a:endParaRPr lang="ru-RU"/>
           </a:p>
@@ -462,7 +464,7 @@
             <a:fld id="{3065D682-AC76-4449-BADF-0B60D05AC3DD}" type="datetimeFigureOut">
               <a:rPr lang="ru-RU" smtClean="0"/>
               <a:pPr/>
-              <a:t>29.01.2021</a:t>
+              <a:t>30.01.2021</a:t>
             </a:fld>
             <a:endParaRPr lang="ru-RU"/>
           </a:p>
@@ -639,7 +641,7 @@
             <a:fld id="{3065D682-AC76-4449-BADF-0B60D05AC3DD}" type="datetimeFigureOut">
               <a:rPr lang="ru-RU" smtClean="0"/>
               <a:pPr/>
-              <a:t>29.01.2021</a:t>
+              <a:t>30.01.2021</a:t>
             </a:fld>
             <a:endParaRPr lang="ru-RU"/>
           </a:p>
@@ -806,7 +808,7 @@
             <a:fld id="{3065D682-AC76-4449-BADF-0B60D05AC3DD}" type="datetimeFigureOut">
               <a:rPr lang="ru-RU" smtClean="0"/>
               <a:pPr/>
-              <a:t>29.01.2021</a:t>
+              <a:t>30.01.2021</a:t>
             </a:fld>
             <a:endParaRPr lang="ru-RU"/>
           </a:p>
@@ -1049,7 +1051,7 @@
             <a:fld id="{3065D682-AC76-4449-BADF-0B60D05AC3DD}" type="datetimeFigureOut">
               <a:rPr lang="ru-RU" smtClean="0"/>
               <a:pPr/>
-              <a:t>29.01.2021</a:t>
+              <a:t>30.01.2021</a:t>
             </a:fld>
             <a:endParaRPr lang="ru-RU"/>
           </a:p>
@@ -1334,7 +1336,7 @@
             <a:fld id="{3065D682-AC76-4449-BADF-0B60D05AC3DD}" type="datetimeFigureOut">
               <a:rPr lang="ru-RU" smtClean="0"/>
               <a:pPr/>
-              <a:t>29.01.2021</a:t>
+              <a:t>30.01.2021</a:t>
             </a:fld>
             <a:endParaRPr lang="ru-RU"/>
           </a:p>
@@ -1753,7 +1755,7 @@
             <a:fld id="{3065D682-AC76-4449-BADF-0B60D05AC3DD}" type="datetimeFigureOut">
               <a:rPr lang="ru-RU" smtClean="0"/>
               <a:pPr/>
-              <a:t>29.01.2021</a:t>
+              <a:t>30.01.2021</a:t>
             </a:fld>
             <a:endParaRPr lang="ru-RU"/>
           </a:p>
@@ -1868,7 +1870,7 @@
             <a:fld id="{3065D682-AC76-4449-BADF-0B60D05AC3DD}" type="datetimeFigureOut">
               <a:rPr lang="ru-RU" smtClean="0"/>
               <a:pPr/>
-              <a:t>29.01.2021</a:t>
+              <a:t>30.01.2021</a:t>
             </a:fld>
             <a:endParaRPr lang="ru-RU"/>
           </a:p>
@@ -1960,7 +1962,7 @@
             <a:fld id="{3065D682-AC76-4449-BADF-0B60D05AC3DD}" type="datetimeFigureOut">
               <a:rPr lang="ru-RU" smtClean="0"/>
               <a:pPr/>
-              <a:t>29.01.2021</a:t>
+              <a:t>30.01.2021</a:t>
             </a:fld>
             <a:endParaRPr lang="ru-RU"/>
           </a:p>
@@ -2234,7 +2236,7 @@
             <a:fld id="{3065D682-AC76-4449-BADF-0B60D05AC3DD}" type="datetimeFigureOut">
               <a:rPr lang="ru-RU" smtClean="0"/>
               <a:pPr/>
-              <a:t>29.01.2021</a:t>
+              <a:t>30.01.2021</a:t>
             </a:fld>
             <a:endParaRPr lang="ru-RU"/>
           </a:p>
@@ -2484,7 +2486,7 @@
             <a:fld id="{3065D682-AC76-4449-BADF-0B60D05AC3DD}" type="datetimeFigureOut">
               <a:rPr lang="ru-RU" smtClean="0"/>
               <a:pPr/>
-              <a:t>29.01.2021</a:t>
+              <a:t>30.01.2021</a:t>
             </a:fld>
             <a:endParaRPr lang="ru-RU"/>
           </a:p>
@@ -2694,7 +2696,7 @@
             <a:fld id="{3065D682-AC76-4449-BADF-0B60D05AC3DD}" type="datetimeFigureOut">
               <a:rPr lang="ru-RU" smtClean="0"/>
               <a:pPr/>
-              <a:t>29.01.2021</a:t>
+              <a:t>30.01.2021</a:t>
             </a:fld>
             <a:endParaRPr lang="ru-RU"/>
           </a:p>
@@ -3274,9 +3276,48 @@
               <a:t>	целью о создании возможности интересного времяпровождения для двух человек за игрой на основе библиотеки </a:t>
             </a:r>
             <a:r>
+              <a:rPr lang="en-US" sz="2800" b="1" dirty="0" smtClean="0"/>
+              <a:t>Pygame</a:t>
+            </a:r>
+            <a:r>
               <a:rPr lang="en-US" sz="2800" dirty="0" smtClean="0"/>
-              <a:t>Pygame.</a:t>
-            </a:r>
+              <a:t>.</a:t>
+            </a:r>
+            <a:endParaRPr lang="ru-RU" sz="2800" dirty="0" smtClean="0"/>
+          </a:p>
+          <a:p>
+            <a:pPr>
+              <a:buNone/>
+            </a:pPr>
+            <a:endParaRPr lang="en-US" sz="2800" dirty="0" smtClean="0"/>
+          </a:p>
+          <a:p>
+            <a:pPr>
+              <a:buNone/>
+            </a:pPr>
+            <a:endParaRPr lang="ru-RU" sz="2800" dirty="0" smtClean="0"/>
+          </a:p>
+          <a:p>
+            <a:pPr algn="ctr">
+              <a:buNone/>
+            </a:pPr>
+            <a:r>
+              <a:rPr lang="ru-RU" sz="2800" dirty="0" smtClean="0"/>
+              <a:t>	</a:t>
+            </a:r>
+            <a:r>
+              <a:rPr lang="ru-RU" sz="2800" dirty="0" smtClean="0"/>
+              <a:t>В последней версии игры существует два режима</a:t>
+            </a:r>
+            <a:r>
+              <a:rPr lang="en-US" sz="2800" dirty="0" smtClean="0"/>
+              <a:t>:</a:t>
+            </a:r>
+          </a:p>
+          <a:p>
+            <a:pPr algn="ctr">
+              <a:buNone/>
+            </a:pPr>
             <a:endParaRPr lang="ru-RU" dirty="0"/>
           </a:p>
         </p:txBody>
@@ -3290,6 +3331,148 @@
 </file>
 
 <file path=ppt/slides/slide3.xml><?xml version="1.0" encoding="utf-8"?>
+<p:sld xmlns:a="http://schemas.openxmlformats.org/drawingml/2006/main" xmlns:r="http://schemas.openxmlformats.org/officeDocument/2006/relationships" xmlns:p="http://schemas.openxmlformats.org/presentationml/2006/main">
+  <p:cSld>
+    <p:spTree>
+      <p:nvGrpSpPr>
+        <p:cNvPr id="1" name=""/>
+        <p:cNvGrpSpPr/>
+        <p:nvPr/>
+      </p:nvGrpSpPr>
+      <p:grpSpPr>
+        <a:xfrm>
+          <a:off x="0" y="0"/>
+          <a:ext cx="0" cy="0"/>
+          <a:chOff x="0" y="0"/>
+          <a:chExt cx="0" cy="0"/>
+        </a:xfrm>
+      </p:grpSpPr>
+      <p:sp>
+        <p:nvSpPr>
+          <p:cNvPr id="2" name="Заголовок 1"/>
+          <p:cNvSpPr>
+            <a:spLocks noGrp="1"/>
+          </p:cNvSpPr>
+          <p:nvPr>
+            <p:ph type="title"/>
+          </p:nvPr>
+        </p:nvSpPr>
+        <p:spPr/>
+        <p:txBody>
+          <a:bodyPr/>
+          <a:lstStyle/>
+          <a:p>
+            <a:r>
+              <a:rPr lang="ru-RU" dirty="0" smtClean="0"/>
+              <a:t>Идея проекта</a:t>
+            </a:r>
+            <a:endParaRPr lang="ru-RU" dirty="0"/>
+          </a:p>
+        </p:txBody>
+      </p:sp>
+      <p:pic>
+        <p:nvPicPr>
+          <p:cNvPr id="4" name="Содержимое 3" descr="mode1.png"/>
+          <p:cNvPicPr>
+            <a:picLocks noGrp="1" noChangeAspect="1"/>
+          </p:cNvPicPr>
+          <p:nvPr>
+            <p:ph idx="1"/>
+          </p:nvPr>
+        </p:nvPicPr>
+        <p:blipFill>
+          <a:blip r:embed="rId2" cstate="print"/>
+          <a:stretch>
+            <a:fillRect/>
+          </a:stretch>
+        </p:blipFill>
+        <p:spPr>
+          <a:xfrm>
+            <a:off x="548922" y="1600200"/>
+            <a:ext cx="8046156" cy="4525963"/>
+          </a:xfrm>
+        </p:spPr>
+      </p:pic>
+    </p:spTree>
+  </p:cSld>
+  <p:clrMapOvr>
+    <a:masterClrMapping/>
+  </p:clrMapOvr>
+</p:sld>
+</file>
+
+<file path=ppt/slides/slide4.xml><?xml version="1.0" encoding="utf-8"?>
+<p:sld xmlns:a="http://schemas.openxmlformats.org/drawingml/2006/main" xmlns:r="http://schemas.openxmlformats.org/officeDocument/2006/relationships" xmlns:p="http://schemas.openxmlformats.org/presentationml/2006/main">
+  <p:cSld>
+    <p:spTree>
+      <p:nvGrpSpPr>
+        <p:cNvPr id="1" name=""/>
+        <p:cNvGrpSpPr/>
+        <p:nvPr/>
+      </p:nvGrpSpPr>
+      <p:grpSpPr>
+        <a:xfrm>
+          <a:off x="0" y="0"/>
+          <a:ext cx="0" cy="0"/>
+          <a:chOff x="0" y="0"/>
+          <a:chExt cx="0" cy="0"/>
+        </a:xfrm>
+      </p:grpSpPr>
+      <p:sp>
+        <p:nvSpPr>
+          <p:cNvPr id="2" name="Заголовок 1"/>
+          <p:cNvSpPr>
+            <a:spLocks noGrp="1"/>
+          </p:cNvSpPr>
+          <p:nvPr>
+            <p:ph type="title"/>
+          </p:nvPr>
+        </p:nvSpPr>
+        <p:spPr/>
+        <p:txBody>
+          <a:bodyPr/>
+          <a:lstStyle/>
+          <a:p>
+            <a:r>
+              <a:rPr lang="ru-RU" dirty="0" smtClean="0"/>
+              <a:t>Идея проекта</a:t>
+            </a:r>
+            <a:endParaRPr lang="ru-RU" dirty="0"/>
+          </a:p>
+        </p:txBody>
+      </p:sp>
+      <p:pic>
+        <p:nvPicPr>
+          <p:cNvPr id="4" name="Содержимое 3" descr="mode2.png"/>
+          <p:cNvPicPr>
+            <a:picLocks noGrp="1" noChangeAspect="1"/>
+          </p:cNvPicPr>
+          <p:nvPr>
+            <p:ph idx="1"/>
+          </p:nvPr>
+        </p:nvPicPr>
+        <p:blipFill>
+          <a:blip r:embed="rId2" cstate="print"/>
+          <a:stretch>
+            <a:fillRect/>
+          </a:stretch>
+        </p:blipFill>
+        <p:spPr>
+          <a:xfrm>
+            <a:off x="548922" y="1600200"/>
+            <a:ext cx="8046156" cy="4525963"/>
+          </a:xfrm>
+        </p:spPr>
+      </p:pic>
+    </p:spTree>
+  </p:cSld>
+  <p:clrMapOvr>
+    <a:masterClrMapping/>
+  </p:clrMapOvr>
+</p:sld>
+</file>
+
+<file path=ppt/slides/slide5.xml><?xml version="1.0" encoding="utf-8"?>
 <p:sld xmlns:a="http://schemas.openxmlformats.org/drawingml/2006/main" xmlns:r="http://schemas.openxmlformats.org/officeDocument/2006/relationships" xmlns:p="http://schemas.openxmlformats.org/presentationml/2006/main">
   <p:cSld>
     <p:spTree>
@@ -3427,258 +3610,6 @@
 </p:sld>
 </file>
 
-<file path=ppt/slides/slide4.xml><?xml version="1.0" encoding="utf-8"?>
-<p:sld xmlns:a="http://schemas.openxmlformats.org/drawingml/2006/main" xmlns:r="http://schemas.openxmlformats.org/officeDocument/2006/relationships" xmlns:p="http://schemas.openxmlformats.org/presentationml/2006/main">
-  <p:cSld>
-    <p:spTree>
-      <p:nvGrpSpPr>
-        <p:cNvPr id="1" name=""/>
-        <p:cNvGrpSpPr/>
-        <p:nvPr/>
-      </p:nvGrpSpPr>
-      <p:grpSpPr>
-        <a:xfrm>
-          <a:off x="0" y="0"/>
-          <a:ext cx="0" cy="0"/>
-          <a:chOff x="0" y="0"/>
-          <a:chExt cx="0" cy="0"/>
-        </a:xfrm>
-      </p:grpSpPr>
-      <p:sp>
-        <p:nvSpPr>
-          <p:cNvPr id="2" name="Заголовок 1"/>
-          <p:cNvSpPr>
-            <a:spLocks noGrp="1"/>
-          </p:cNvSpPr>
-          <p:nvPr>
-            <p:ph type="title"/>
-          </p:nvPr>
-        </p:nvSpPr>
-        <p:spPr/>
-        <p:txBody>
-          <a:bodyPr/>
-          <a:lstStyle/>
-          <a:p>
-            <a:r>
-              <a:rPr lang="ru-RU" dirty="0" smtClean="0"/>
-              <a:t>Структура игры</a:t>
-            </a:r>
-            <a:endParaRPr lang="ru-RU" dirty="0"/>
-          </a:p>
-        </p:txBody>
-      </p:sp>
-      <p:sp>
-        <p:nvSpPr>
-          <p:cNvPr id="3" name="Содержимое 2"/>
-          <p:cNvSpPr>
-            <a:spLocks noGrp="1"/>
-          </p:cNvSpPr>
-          <p:nvPr>
-            <p:ph idx="1"/>
-          </p:nvPr>
-        </p:nvSpPr>
-        <p:spPr/>
-        <p:txBody>
-          <a:bodyPr>
-            <a:normAutofit/>
-          </a:bodyPr>
-          <a:lstStyle/>
-          <a:p>
-            <a:pPr>
-              <a:buNone/>
-            </a:pPr>
-            <a:r>
-              <a:rPr lang="ru-RU" sz="3000" dirty="0" smtClean="0"/>
-              <a:t>	</a:t>
-            </a:r>
-            <a:r>
-              <a:rPr lang="ru-RU" sz="2400" dirty="0" smtClean="0"/>
-              <a:t>Для создания и последующего отображения карты, где происходят действия игроков использовалось приложение </a:t>
-            </a:r>
-            <a:r>
-              <a:rPr lang="en-US" sz="2400" dirty="0" smtClean="0"/>
-              <a:t>Tiled </a:t>
-            </a:r>
-            <a:r>
-              <a:rPr lang="ru-RU" sz="2400" dirty="0" smtClean="0"/>
-              <a:t>и библиотека </a:t>
-            </a:r>
-            <a:r>
-              <a:rPr lang="en-US" sz="2400" dirty="0" smtClean="0"/>
-              <a:t>pytmx.</a:t>
-            </a:r>
-          </a:p>
-          <a:p>
-            <a:pPr>
-              <a:buNone/>
-            </a:pPr>
-            <a:endParaRPr lang="en-US" sz="2400" dirty="0" smtClean="0"/>
-          </a:p>
-          <a:p>
-            <a:pPr>
-              <a:buNone/>
-            </a:pPr>
-            <a:r>
-              <a:rPr lang="en-US" sz="2400" dirty="0" smtClean="0"/>
-              <a:t>	</a:t>
-            </a:r>
-            <a:r>
-              <a:rPr lang="ru-RU" sz="2400" dirty="0" smtClean="0"/>
-              <a:t>Для большего погружения в игровой процесс в игру было добавлено множество звуков, проигрываемых с помощью </a:t>
-            </a:r>
-            <a:r>
-              <a:rPr lang="en-US" sz="2400" dirty="0" smtClean="0"/>
-              <a:t>pygame.mixer </a:t>
-            </a:r>
-            <a:r>
-              <a:rPr lang="ru-RU" sz="2400" dirty="0" smtClean="0"/>
-              <a:t>и находящихся в каталоге </a:t>
-            </a:r>
-            <a:r>
-              <a:rPr lang="en-US" sz="2400" dirty="0" smtClean="0"/>
-              <a:t>source/sound</a:t>
-            </a:r>
-          </a:p>
-        </p:txBody>
-      </p:sp>
-    </p:spTree>
-  </p:cSld>
-  <p:clrMapOvr>
-    <a:masterClrMapping/>
-  </p:clrMapOvr>
-</p:sld>
-</file>
-
-<file path=ppt/slides/slide5.xml><?xml version="1.0" encoding="utf-8"?>
-<p:sld xmlns:a="http://schemas.openxmlformats.org/drawingml/2006/main" xmlns:r="http://schemas.openxmlformats.org/officeDocument/2006/relationships" xmlns:p="http://schemas.openxmlformats.org/presentationml/2006/main">
-  <p:cSld>
-    <p:spTree>
-      <p:nvGrpSpPr>
-        <p:cNvPr id="1" name=""/>
-        <p:cNvGrpSpPr/>
-        <p:nvPr/>
-      </p:nvGrpSpPr>
-      <p:grpSpPr>
-        <a:xfrm>
-          <a:off x="0" y="0"/>
-          <a:ext cx="0" cy="0"/>
-          <a:chOff x="0" y="0"/>
-          <a:chExt cx="0" cy="0"/>
-        </a:xfrm>
-      </p:grpSpPr>
-      <p:sp>
-        <p:nvSpPr>
-          <p:cNvPr id="2" name="Заголовок 1"/>
-          <p:cNvSpPr>
-            <a:spLocks noGrp="1"/>
-          </p:cNvSpPr>
-          <p:nvPr>
-            <p:ph type="title"/>
-          </p:nvPr>
-        </p:nvSpPr>
-        <p:spPr/>
-        <p:txBody>
-          <a:bodyPr/>
-          <a:lstStyle/>
-          <a:p>
-            <a:r>
-              <a:rPr lang="ru-RU" dirty="0" smtClean="0"/>
-              <a:t>Структура меню</a:t>
-            </a:r>
-            <a:endParaRPr lang="ru-RU" dirty="0"/>
-          </a:p>
-        </p:txBody>
-      </p:sp>
-      <p:sp>
-        <p:nvSpPr>
-          <p:cNvPr id="3" name="Содержимое 2"/>
-          <p:cNvSpPr>
-            <a:spLocks noGrp="1"/>
-          </p:cNvSpPr>
-          <p:nvPr>
-            <p:ph idx="1"/>
-          </p:nvPr>
-        </p:nvSpPr>
-        <p:spPr>
-          <a:xfrm>
-            <a:off x="457200" y="1600201"/>
-            <a:ext cx="8229600" cy="828668"/>
-          </a:xfrm>
-        </p:spPr>
-        <p:txBody>
-          <a:bodyPr>
-            <a:normAutofit/>
-          </a:bodyPr>
-          <a:lstStyle/>
-          <a:p>
-            <a:r>
-              <a:rPr lang="ru-RU" sz="2400" dirty="0" smtClean="0"/>
-              <a:t>Код </a:t>
-            </a:r>
-            <a:r>
-              <a:rPr lang="ru-RU" sz="2400" dirty="0" smtClean="0"/>
-              <a:t>меню </a:t>
-            </a:r>
-            <a:r>
-              <a:rPr lang="ru-RU" sz="2400" dirty="0" smtClean="0"/>
-              <a:t>состоит из совокупности </a:t>
-            </a:r>
-            <a:r>
-              <a:rPr lang="ru-RU" sz="2400" dirty="0" smtClean="0"/>
-              <a:t>функций. Можно </a:t>
-            </a:r>
-            <a:r>
-              <a:rPr lang="ru-RU" sz="2400" dirty="0" smtClean="0"/>
-              <a:t>выделить</a:t>
-            </a:r>
-            <a:r>
-              <a:rPr lang="en-US" sz="2400" dirty="0" smtClean="0"/>
-              <a:t> </a:t>
-            </a:r>
-            <a:r>
-              <a:rPr lang="ru-RU" sz="2400" dirty="0" smtClean="0"/>
-              <a:t>функции</a:t>
-            </a:r>
-            <a:r>
-              <a:rPr lang="en-US" sz="2400" dirty="0" smtClean="0"/>
-              <a:t>:</a:t>
-            </a:r>
-            <a:endParaRPr lang="ru-RU" sz="2400" dirty="0"/>
-          </a:p>
-        </p:txBody>
-      </p:sp>
-      <p:pic>
-        <p:nvPicPr>
-          <p:cNvPr id="6" name="Рисунок 5" descr="Screenshot_6.png"/>
-          <p:cNvPicPr>
-            <a:picLocks noChangeAspect="1"/>
-          </p:cNvPicPr>
-          <p:nvPr/>
-        </p:nvPicPr>
-        <p:blipFill>
-          <a:blip r:embed="rId2"/>
-          <a:stretch>
-            <a:fillRect/>
-          </a:stretch>
-        </p:blipFill>
-        <p:spPr>
-          <a:xfrm>
-            <a:off x="1357290" y="2714620"/>
-            <a:ext cx="6422570" cy="3716765"/>
-          </a:xfrm>
-          <a:prstGeom prst="rect">
-            <a:avLst/>
-          </a:prstGeom>
-        </p:spPr>
-      </p:pic>
-    </p:spTree>
-  </p:cSld>
-  <p:clrMapOvr>
-    <a:masterClrMapping/>
-  </p:clrMapOvr>
-</p:sld>
-</file>
-
 <file path=ppt/slides/slide6.xml><?xml version="1.0" encoding="utf-8"?>
 <p:sld xmlns:a="http://schemas.openxmlformats.org/drawingml/2006/main" xmlns:r="http://schemas.openxmlformats.org/officeDocument/2006/relationships" xmlns:p="http://schemas.openxmlformats.org/presentationml/2006/main">
   <p:cSld>
@@ -3713,7 +3644,7 @@
           <a:p>
             <a:r>
               <a:rPr lang="ru-RU" dirty="0" smtClean="0"/>
-              <a:t>Структура меню</a:t>
+              <a:t>Структура игры</a:t>
             </a:r>
             <a:endParaRPr lang="ru-RU" dirty="0"/>
           </a:p>
@@ -3745,21 +3676,20 @@
             </a:r>
             <a:r>
               <a:rPr lang="ru-RU" sz="2400" dirty="0" smtClean="0"/>
-              <a:t>Для создания и </a:t>
+              <a:t>Для создания и последующего отображения карты, где происходят действия игроков использовалось приложение </a:t>
+            </a:r>
+            <a:r>
+              <a:rPr lang="en-US" sz="2400" dirty="0" smtClean="0"/>
+              <a:t>Tiled </a:t>
             </a:r>
             <a:r>
               <a:rPr lang="ru-RU" sz="2400" dirty="0" smtClean="0"/>
-              <a:t>отображения кнопок, которые используются для навигации в меню, использовалась библиотека </a:t>
-            </a:r>
-            <a:r>
-              <a:rPr lang="en-US" sz="2400" dirty="0" err="1" smtClean="0"/>
-              <a:t>pygame_ui</a:t>
-            </a:r>
-            <a:r>
-              <a:rPr lang="ru-RU" sz="2400" dirty="0" smtClean="0"/>
-              <a:t>.</a:t>
-            </a:r>
-            <a:endParaRPr lang="en-US" sz="2400" dirty="0" smtClean="0"/>
+              <a:t>и библиотека </a:t>
+            </a:r>
+            <a:r>
+              <a:rPr lang="en-US" sz="2400" dirty="0" smtClean="0"/>
+              <a:t>pytmx.</a:t>
+            </a:r>
           </a:p>
           <a:p>
             <a:pPr>
@@ -3777,29 +3707,20 @@
             </a:r>
             <a:r>
               <a:rPr lang="ru-RU" sz="2400" dirty="0" smtClean="0"/>
-              <a:t>Для сохранения изменений настроек после выхода, были созданы текстовые документы,</a:t>
+              <a:t>Для большего погружения в игровой процесс в игру было добавлено множество звуков, проигрываемых с помощью </a:t>
+            </a:r>
+            <a:r>
+              <a:rPr lang="en-US" sz="2400" dirty="0" smtClean="0"/>
+              <a:t>pygame.mixer </a:t>
             </a:r>
             <a:r>
               <a:rPr lang="ru-RU" sz="2400" dirty="0" smtClean="0"/>
-              <a:t> </a:t>
-            </a:r>
-            <a:r>
-              <a:rPr lang="ru-RU" sz="2400" dirty="0" smtClean="0"/>
-              <a:t>находящихся в каталоге </a:t>
+              <a:t>и находящихся в каталоге </a:t>
             </a:r>
             <a:r>
               <a:rPr lang="en-US" sz="2400" dirty="0" smtClean="0"/>
-              <a:t>source/ </a:t>
-            </a:r>
-            <a:r>
-              <a:rPr lang="en-US" sz="2400" dirty="0" err="1" smtClean="0"/>
-              <a:t>settings_files</a:t>
-            </a:r>
-            <a:r>
-              <a:rPr lang="ru-RU" sz="2400" dirty="0" smtClean="0"/>
-              <a:t>.</a:t>
-            </a:r>
-            <a:endParaRPr lang="en-US" sz="2400" dirty="0" smtClean="0"/>
+              <a:t>source/sound</a:t>
+            </a:r>
           </a:p>
         </p:txBody>
       </p:sp>
@@ -3845,6 +3766,240 @@
           <a:p>
             <a:r>
               <a:rPr lang="ru-RU" dirty="0" smtClean="0"/>
+              <a:t>Структура меню</a:t>
+            </a:r>
+            <a:endParaRPr lang="ru-RU" dirty="0"/>
+          </a:p>
+        </p:txBody>
+      </p:sp>
+      <p:sp>
+        <p:nvSpPr>
+          <p:cNvPr id="3" name="Содержимое 2"/>
+          <p:cNvSpPr>
+            <a:spLocks noGrp="1"/>
+          </p:cNvSpPr>
+          <p:nvPr>
+            <p:ph idx="1"/>
+          </p:nvPr>
+        </p:nvSpPr>
+        <p:spPr>
+          <a:xfrm>
+            <a:off x="457200" y="1600201"/>
+            <a:ext cx="8229600" cy="828668"/>
+          </a:xfrm>
+        </p:spPr>
+        <p:txBody>
+          <a:bodyPr>
+            <a:normAutofit/>
+          </a:bodyPr>
+          <a:lstStyle/>
+          <a:p>
+            <a:r>
+              <a:rPr lang="ru-RU" sz="2400" dirty="0" smtClean="0"/>
+              <a:t>Код меню состоит из совокупности функций. Можно выделить</a:t>
+            </a:r>
+            <a:r>
+              <a:rPr lang="en-US" sz="2400" dirty="0" smtClean="0"/>
+              <a:t> </a:t>
+            </a:r>
+            <a:r>
+              <a:rPr lang="ru-RU" sz="2400" dirty="0" smtClean="0"/>
+              <a:t>функции</a:t>
+            </a:r>
+            <a:r>
+              <a:rPr lang="en-US" sz="2400" dirty="0" smtClean="0"/>
+              <a:t>:</a:t>
+            </a:r>
+            <a:endParaRPr lang="ru-RU" sz="2400" dirty="0"/>
+          </a:p>
+        </p:txBody>
+      </p:sp>
+      <p:pic>
+        <p:nvPicPr>
+          <p:cNvPr id="6" name="Рисунок 5" descr="Screenshot_6.png"/>
+          <p:cNvPicPr>
+            <a:picLocks noChangeAspect="1"/>
+          </p:cNvPicPr>
+          <p:nvPr/>
+        </p:nvPicPr>
+        <p:blipFill>
+          <a:blip r:embed="rId2" cstate="print"/>
+          <a:stretch>
+            <a:fillRect/>
+          </a:stretch>
+        </p:blipFill>
+        <p:spPr>
+          <a:xfrm>
+            <a:off x="1357290" y="2714620"/>
+            <a:ext cx="6422570" cy="3716765"/>
+          </a:xfrm>
+          <a:prstGeom prst="rect">
+            <a:avLst/>
+          </a:prstGeom>
+        </p:spPr>
+      </p:pic>
+    </p:spTree>
+  </p:cSld>
+  <p:clrMapOvr>
+    <a:masterClrMapping/>
+  </p:clrMapOvr>
+</p:sld>
+</file>
+
+<file path=ppt/slides/slide8.xml><?xml version="1.0" encoding="utf-8"?>
+<p:sld xmlns:a="http://schemas.openxmlformats.org/drawingml/2006/main" xmlns:r="http://schemas.openxmlformats.org/officeDocument/2006/relationships" xmlns:p="http://schemas.openxmlformats.org/presentationml/2006/main">
+  <p:cSld>
+    <p:spTree>
+      <p:nvGrpSpPr>
+        <p:cNvPr id="1" name=""/>
+        <p:cNvGrpSpPr/>
+        <p:nvPr/>
+      </p:nvGrpSpPr>
+      <p:grpSpPr>
+        <a:xfrm>
+          <a:off x="0" y="0"/>
+          <a:ext cx="0" cy="0"/>
+          <a:chOff x="0" y="0"/>
+          <a:chExt cx="0" cy="0"/>
+        </a:xfrm>
+      </p:grpSpPr>
+      <p:sp>
+        <p:nvSpPr>
+          <p:cNvPr id="2" name="Заголовок 1"/>
+          <p:cNvSpPr>
+            <a:spLocks noGrp="1"/>
+          </p:cNvSpPr>
+          <p:nvPr>
+            <p:ph type="title"/>
+          </p:nvPr>
+        </p:nvSpPr>
+        <p:spPr/>
+        <p:txBody>
+          <a:bodyPr/>
+          <a:lstStyle/>
+          <a:p>
+            <a:r>
+              <a:rPr lang="ru-RU" dirty="0" smtClean="0"/>
+              <a:t>Структура меню</a:t>
+            </a:r>
+            <a:endParaRPr lang="ru-RU" dirty="0"/>
+          </a:p>
+        </p:txBody>
+      </p:sp>
+      <p:sp>
+        <p:nvSpPr>
+          <p:cNvPr id="3" name="Содержимое 2"/>
+          <p:cNvSpPr>
+            <a:spLocks noGrp="1"/>
+          </p:cNvSpPr>
+          <p:nvPr>
+            <p:ph idx="1"/>
+          </p:nvPr>
+        </p:nvSpPr>
+        <p:spPr/>
+        <p:txBody>
+          <a:bodyPr>
+            <a:normAutofit/>
+          </a:bodyPr>
+          <a:lstStyle/>
+          <a:p>
+            <a:pPr>
+              <a:buNone/>
+            </a:pPr>
+            <a:r>
+              <a:rPr lang="ru-RU" sz="3000" dirty="0" smtClean="0"/>
+              <a:t>	</a:t>
+            </a:r>
+            <a:r>
+              <a:rPr lang="ru-RU" sz="2400" dirty="0" smtClean="0"/>
+              <a:t>Для создания и отображения кнопок, которые используются для навигации в меню, использовалась библиотека </a:t>
+            </a:r>
+            <a:r>
+              <a:rPr lang="en-US" sz="2400" dirty="0" err="1" smtClean="0"/>
+              <a:t>pygame_ui</a:t>
+            </a:r>
+            <a:r>
+              <a:rPr lang="ru-RU" sz="2400" dirty="0" smtClean="0"/>
+              <a:t>.</a:t>
+            </a:r>
+            <a:endParaRPr lang="en-US" sz="2400" dirty="0" smtClean="0"/>
+          </a:p>
+          <a:p>
+            <a:pPr>
+              <a:buNone/>
+            </a:pPr>
+            <a:endParaRPr lang="en-US" sz="2400" dirty="0" smtClean="0"/>
+          </a:p>
+          <a:p>
+            <a:pPr>
+              <a:buNone/>
+            </a:pPr>
+            <a:r>
+              <a:rPr lang="en-US" sz="2400" dirty="0" smtClean="0"/>
+              <a:t>	</a:t>
+            </a:r>
+            <a:r>
+              <a:rPr lang="ru-RU" sz="2400" dirty="0" smtClean="0"/>
+              <a:t>Для сохранения изменений настроек после выхода, были созданы текстовые документы, находящихся в каталоге </a:t>
+            </a:r>
+            <a:r>
+              <a:rPr lang="en-US" sz="2400" dirty="0" smtClean="0"/>
+              <a:t>source/ </a:t>
+            </a:r>
+            <a:r>
+              <a:rPr lang="en-US" sz="2400" dirty="0" err="1" smtClean="0"/>
+              <a:t>settings_files</a:t>
+            </a:r>
+            <a:r>
+              <a:rPr lang="ru-RU" sz="2400" dirty="0" smtClean="0"/>
+              <a:t>.</a:t>
+            </a:r>
+            <a:endParaRPr lang="en-US" sz="2400" dirty="0" smtClean="0"/>
+          </a:p>
+        </p:txBody>
+      </p:sp>
+    </p:spTree>
+  </p:cSld>
+  <p:clrMapOvr>
+    <a:masterClrMapping/>
+  </p:clrMapOvr>
+</p:sld>
+</file>
+
+<file path=ppt/slides/slide9.xml><?xml version="1.0" encoding="utf-8"?>
+<p:sld xmlns:a="http://schemas.openxmlformats.org/drawingml/2006/main" xmlns:r="http://schemas.openxmlformats.org/officeDocument/2006/relationships" xmlns:p="http://schemas.openxmlformats.org/presentationml/2006/main">
+  <p:cSld>
+    <p:spTree>
+      <p:nvGrpSpPr>
+        <p:cNvPr id="1" name=""/>
+        <p:cNvGrpSpPr/>
+        <p:nvPr/>
+      </p:nvGrpSpPr>
+      <p:grpSpPr>
+        <a:xfrm>
+          <a:off x="0" y="0"/>
+          <a:ext cx="0" cy="0"/>
+          <a:chOff x="0" y="0"/>
+          <a:chExt cx="0" cy="0"/>
+        </a:xfrm>
+      </p:grpSpPr>
+      <p:sp>
+        <p:nvSpPr>
+          <p:cNvPr id="2" name="Заголовок 1"/>
+          <p:cNvSpPr>
+            <a:spLocks noGrp="1"/>
+          </p:cNvSpPr>
+          <p:nvPr>
+            <p:ph type="title"/>
+          </p:nvPr>
+        </p:nvSpPr>
+        <p:spPr/>
+        <p:txBody>
+          <a:bodyPr/>
+          <a:lstStyle/>
+          <a:p>
+            <a:r>
+              <a:rPr lang="ru-RU" dirty="0" smtClean="0"/>
               <a:t>Заключение</a:t>
             </a:r>
             <a:endParaRPr lang="ru-RU" dirty="0"/>
@@ -3876,7 +4031,7 @@
               <a:t>	При создании проекта, удалось реализовать все задуманные функции. В программе раскрываются почти все возможности библиотеки </a:t>
             </a:r>
             <a:r>
-              <a:rPr lang="en-US" sz="2400" b="1" dirty="0" smtClean="0"/>
+              <a:rPr lang="en-US" sz="2400" b="1" dirty="0" err="1" smtClean="0"/>
               <a:t>pygame</a:t>
             </a:r>
             <a:r>

--- a/Презентация по проекту Pygame.pptx
+++ b/Презентация по проекту Pygame.pptx
@@ -297,7 +297,7 @@
             <a:fld id="{3065D682-AC76-4449-BADF-0B60D05AC3DD}" type="datetimeFigureOut">
               <a:rPr lang="ru-RU" smtClean="0"/>
               <a:pPr/>
-              <a:t>30.01.2021</a:t>
+              <a:t>31.01.2021</a:t>
             </a:fld>
             <a:endParaRPr lang="ru-RU"/>
           </a:p>
@@ -464,7 +464,7 @@
             <a:fld id="{3065D682-AC76-4449-BADF-0B60D05AC3DD}" type="datetimeFigureOut">
               <a:rPr lang="ru-RU" smtClean="0"/>
               <a:pPr/>
-              <a:t>30.01.2021</a:t>
+              <a:t>31.01.2021</a:t>
             </a:fld>
             <a:endParaRPr lang="ru-RU"/>
           </a:p>
@@ -641,7 +641,7 @@
             <a:fld id="{3065D682-AC76-4449-BADF-0B60D05AC3DD}" type="datetimeFigureOut">
               <a:rPr lang="ru-RU" smtClean="0"/>
               <a:pPr/>
-              <a:t>30.01.2021</a:t>
+              <a:t>31.01.2021</a:t>
             </a:fld>
             <a:endParaRPr lang="ru-RU"/>
           </a:p>
@@ -808,7 +808,7 @@
             <a:fld id="{3065D682-AC76-4449-BADF-0B60D05AC3DD}" type="datetimeFigureOut">
               <a:rPr lang="ru-RU" smtClean="0"/>
               <a:pPr/>
-              <a:t>30.01.2021</a:t>
+              <a:t>31.01.2021</a:t>
             </a:fld>
             <a:endParaRPr lang="ru-RU"/>
           </a:p>
@@ -1051,7 +1051,7 @@
             <a:fld id="{3065D682-AC76-4449-BADF-0B60D05AC3DD}" type="datetimeFigureOut">
               <a:rPr lang="ru-RU" smtClean="0"/>
               <a:pPr/>
-              <a:t>30.01.2021</a:t>
+              <a:t>31.01.2021</a:t>
             </a:fld>
             <a:endParaRPr lang="ru-RU"/>
           </a:p>
@@ -1336,7 +1336,7 @@
             <a:fld id="{3065D682-AC76-4449-BADF-0B60D05AC3DD}" type="datetimeFigureOut">
               <a:rPr lang="ru-RU" smtClean="0"/>
               <a:pPr/>
-              <a:t>30.01.2021</a:t>
+              <a:t>31.01.2021</a:t>
             </a:fld>
             <a:endParaRPr lang="ru-RU"/>
           </a:p>
@@ -1755,7 +1755,7 @@
             <a:fld id="{3065D682-AC76-4449-BADF-0B60D05AC3DD}" type="datetimeFigureOut">
               <a:rPr lang="ru-RU" smtClean="0"/>
               <a:pPr/>
-              <a:t>30.01.2021</a:t>
+              <a:t>31.01.2021</a:t>
             </a:fld>
             <a:endParaRPr lang="ru-RU"/>
           </a:p>
@@ -1870,7 +1870,7 @@
             <a:fld id="{3065D682-AC76-4449-BADF-0B60D05AC3DD}" type="datetimeFigureOut">
               <a:rPr lang="ru-RU" smtClean="0"/>
               <a:pPr/>
-              <a:t>30.01.2021</a:t>
+              <a:t>31.01.2021</a:t>
             </a:fld>
             <a:endParaRPr lang="ru-RU"/>
           </a:p>
@@ -1962,7 +1962,7 @@
             <a:fld id="{3065D682-AC76-4449-BADF-0B60D05AC3DD}" type="datetimeFigureOut">
               <a:rPr lang="ru-RU" smtClean="0"/>
               <a:pPr/>
-              <a:t>30.01.2021</a:t>
+              <a:t>31.01.2021</a:t>
             </a:fld>
             <a:endParaRPr lang="ru-RU"/>
           </a:p>
@@ -2236,7 +2236,7 @@
             <a:fld id="{3065D682-AC76-4449-BADF-0B60D05AC3DD}" type="datetimeFigureOut">
               <a:rPr lang="ru-RU" smtClean="0"/>
               <a:pPr/>
-              <a:t>30.01.2021</a:t>
+              <a:t>31.01.2021</a:t>
             </a:fld>
             <a:endParaRPr lang="ru-RU"/>
           </a:p>
@@ -2486,7 +2486,7 @@
             <a:fld id="{3065D682-AC76-4449-BADF-0B60D05AC3DD}" type="datetimeFigureOut">
               <a:rPr lang="ru-RU" smtClean="0"/>
               <a:pPr/>
-              <a:t>30.01.2021</a:t>
+              <a:t>31.01.2021</a:t>
             </a:fld>
             <a:endParaRPr lang="ru-RU"/>
           </a:p>
@@ -2696,7 +2696,7 @@
             <a:fld id="{3065D682-AC76-4449-BADF-0B60D05AC3DD}" type="datetimeFigureOut">
               <a:rPr lang="ru-RU" smtClean="0"/>
               <a:pPr/>
-              <a:t>30.01.2021</a:t>
+              <a:t>31.01.2021</a:t>
             </a:fld>
             <a:endParaRPr lang="ru-RU"/>
           </a:p>
@@ -3095,15 +3095,7 @@
             </a:r>
             <a:r>
               <a:rPr lang="ru-RU" dirty="0"/>
-              <a:t>проекту </a:t>
-            </a:r>
-            <a:r>
-              <a:rPr lang="ru-RU" dirty="0" err="1"/>
-              <a:t>Pygame</a:t>
-            </a:r>
-            <a:r>
-              <a:rPr lang="ru-RU" dirty="0"/>
-              <a:t/>
+              <a:t>проекту Pygame</a:t>
             </a:r>
             <a:br>
               <a:rPr lang="ru-RU" dirty="0"/>
@@ -3201,6 +3193,13 @@
   <p:clrMapOvr>
     <a:masterClrMapping/>
   </p:clrMapOvr>
+  <p:timing>
+    <p:tnLst>
+      <p:par>
+        <p:cTn id="1" dur="indefinite" restart="never" nodeType="tmRoot"/>
+      </p:par>
+    </p:tnLst>
+  </p:timing>
 </p:sld>
 </file>
 
@@ -3303,11 +3302,7 @@
             </a:pPr>
             <a:r>
               <a:rPr lang="ru-RU" sz="2800" dirty="0" smtClean="0"/>
-              <a:t>	</a:t>
-            </a:r>
-            <a:r>
-              <a:rPr lang="ru-RU" sz="2800" dirty="0" smtClean="0"/>
-              <a:t>В последней версии игры существует два режима</a:t>
+              <a:t>	В последней версии игры существует два режима</a:t>
             </a:r>
             <a:r>
               <a:rPr lang="en-US" sz="2800" dirty="0" smtClean="0"/>
@@ -3327,6 +3322,13 @@
   <p:clrMapOvr>
     <a:masterClrMapping/>
   </p:clrMapOvr>
+  <p:timing>
+    <p:tnLst>
+      <p:par>
+        <p:cTn id="1" dur="indefinite" restart="never" nodeType="tmRoot"/>
+      </p:par>
+    </p:tnLst>
+  </p:timing>
 </p:sld>
 </file>
 
@@ -3398,6 +3400,13 @@
   <p:clrMapOvr>
     <a:masterClrMapping/>
   </p:clrMapOvr>
+  <p:timing>
+    <p:tnLst>
+      <p:par>
+        <p:cTn id="1" dur="indefinite" restart="never" nodeType="tmRoot"/>
+      </p:par>
+    </p:tnLst>
+  </p:timing>
 </p:sld>
 </file>
 
@@ -3469,6 +3478,13 @@
   <p:clrMapOvr>
     <a:masterClrMapping/>
   </p:clrMapOvr>
+  <p:timing>
+    <p:tnLst>
+      <p:par>
+        <p:cTn id="1" dur="indefinite" restart="never" nodeType="tmRoot"/>
+      </p:par>
+    </p:tnLst>
+  </p:timing>
 </p:sld>
 </file>
 
@@ -3607,6 +3623,13 @@
   <p:clrMapOvr>
     <a:masterClrMapping/>
   </p:clrMapOvr>
+  <p:timing>
+    <p:tnLst>
+      <p:par>
+        <p:cTn id="1" dur="indefinite" restart="never" nodeType="tmRoot"/>
+      </p:par>
+    </p:tnLst>
+  </p:timing>
 </p:sld>
 </file>
 
@@ -3729,6 +3752,13 @@
   <p:clrMapOvr>
     <a:masterClrMapping/>
   </p:clrMapOvr>
+  <p:timing>
+    <p:tnLst>
+      <p:par>
+        <p:cTn id="1" dur="indefinite" restart="never" nodeType="tmRoot"/>
+      </p:par>
+    </p:tnLst>
+  </p:timing>
 </p:sld>
 </file>
 
@@ -3843,6 +3873,13 @@
   <p:clrMapOvr>
     <a:masterClrMapping/>
   </p:clrMapOvr>
+  <p:timing>
+    <p:tnLst>
+      <p:par>
+        <p:cTn id="1" dur="indefinite" restart="never" nodeType="tmRoot"/>
+      </p:par>
+    </p:tnLst>
+  </p:timing>
 </p:sld>
 </file>
 
@@ -3915,7 +3952,7 @@
               <a:t>Для создания и отображения кнопок, которые используются для навигации в меню, использовалась библиотека </a:t>
             </a:r>
             <a:r>
-              <a:rPr lang="en-US" sz="2400" dirty="0" err="1" smtClean="0"/>
+              <a:rPr lang="en-US" sz="2400" dirty="0" smtClean="0"/>
               <a:t>pygame_ui</a:t>
             </a:r>
             <a:r>
@@ -3963,6 +4000,13 @@
   <p:clrMapOvr>
     <a:masterClrMapping/>
   </p:clrMapOvr>
+  <p:timing>
+    <p:tnLst>
+      <p:par>
+        <p:cTn id="1" dur="indefinite" restart="never" nodeType="tmRoot"/>
+      </p:par>
+    </p:tnLst>
+  </p:timing>
 </p:sld>
 </file>
 
@@ -4031,7 +4075,7 @@
               <a:t>	При создании проекта, удалось реализовать все задуманные функции. В программе раскрываются почти все возможности библиотеки </a:t>
             </a:r>
             <a:r>
-              <a:rPr lang="en-US" sz="2400" b="1" dirty="0" err="1" smtClean="0"/>
+              <a:rPr lang="en-US" sz="2400" b="1" dirty="0" smtClean="0"/>
               <a:t>pygame</a:t>
             </a:r>
             <a:r>
@@ -4045,8 +4089,16 @@
               <a:t>	</a:t>
             </a:r>
             <a:r>
+              <a:rPr lang="ru-RU" sz="2400" dirty="0" err="1" smtClean="0"/>
+              <a:t>Програма</a:t>
+            </a:r>
+            <a:r>
               <a:rPr lang="ru-RU" sz="2400" dirty="0" smtClean="0"/>
-              <a:t>Программа имеет возможности для доработки, такие как добавление новых режимов игры(кооператив, игра по раундам и прочие), возможность сетевой игры на расстоянии с подбором соперника </a:t>
+              <a:t> </a:t>
+            </a:r>
+            <a:r>
+              <a:rPr lang="ru-RU" sz="2400" dirty="0" smtClean="0"/>
+              <a:t>имеет возможности для доработки, такие как добавление новых режимов игры(кооператив, игра по раундам и прочие), возможность сетевой игры на расстоянии с подбором соперника </a:t>
             </a:r>
           </a:p>
           <a:p>
@@ -4071,6 +4123,13 @@
   <p:clrMapOvr>
     <a:masterClrMapping/>
   </p:clrMapOvr>
+  <p:timing>
+    <p:tnLst>
+      <p:par>
+        <p:cTn id="1" dur="indefinite" restart="never" nodeType="tmRoot"/>
+      </p:par>
+    </p:tnLst>
+  </p:timing>
 </p:sld>
 </file>
 
